--- a/Explanation_Data.pptx
+++ b/Explanation_Data.pptx
@@ -4152,7 +4152,7 @@
         <p:spPr>
           <a:xfrm>
             <a:off x="968631" y="1978714"/>
-            <a:ext cx="9332555" cy="1477328"/>
+            <a:ext cx="8446415" cy="1477328"/>
           </a:xfrm>
           <a:prstGeom prst="rect">
             <a:avLst/>
@@ -4176,23 +4176,15 @@
           <a:p>
             <a:r>
               <a:rPr lang="en-US" b="1" dirty="0" err="1"/>
-              <a:t>Processed_Data_byFigure</a:t>
+              <a:t>Codes_processed</a:t>
             </a:r>
             <a:r>
               <a:rPr lang="en-US" b="1" dirty="0"/>
-              <a:t> </a:t>
-            </a:r>
-            <a:r>
-              <a:rPr lang="en-US" dirty="0"/>
-              <a:t>and </a:t>
-            </a:r>
-            <a:r>
-              <a:rPr lang="en-US" b="1" dirty="0" err="1"/>
-              <a:t>Processed_Data</a:t>
-            </a:r>
-            <a:r>
-              <a:rPr lang="en-US" dirty="0"/>
-              <a:t>_ folders contain processed data in </a:t>
+              <a:t> data </a:t>
+            </a:r>
+            <a:r>
+              <a:rPr lang="en-US" dirty="0"/>
+              <a:t>_ folders contain processed data and codes in </a:t>
             </a:r>
             <a:r>
               <a:rPr lang="en-US" dirty="0" err="1"/>
@@ -4365,8 +4357,8 @@
         </p:nvSpPr>
         <p:spPr>
           <a:xfrm>
-            <a:off x="6469545" y="3861881"/>
-            <a:ext cx="3990901" cy="1754326"/>
+            <a:off x="6212092" y="3906270"/>
+            <a:ext cx="5220468" cy="1754326"/>
           </a:xfrm>
           <a:prstGeom prst="rect">
             <a:avLst/>
@@ -4380,16 +4372,32 @@
           <a:lstStyle/>
           <a:p>
             <a:r>
-              <a:rPr lang="en-US" dirty="0"/>
+              <a:rPr lang="en-US" b="1" dirty="0">
+                <a:solidFill>
+                  <a:srgbClr val="FF0000"/>
+                </a:solidFill>
+              </a:rPr>
               <a:t>To large for </a:t>
             </a:r>
             <a:r>
-              <a:rPr lang="en-US" dirty="0" err="1"/>
+              <a:rPr lang="en-US" b="1" dirty="0" err="1">
+                <a:solidFill>
+                  <a:srgbClr val="FF0000"/>
+                </a:solidFill>
+              </a:rPr>
               <a:t>github</a:t>
             </a:r>
             <a:r>
-              <a:rPr lang="en-US" dirty="0"/>
-              <a:t> to keep and available:</a:t>
+              <a:rPr lang="en-US" b="1" dirty="0">
+                <a:solidFill>
+                  <a:srgbClr val="FF0000"/>
+                </a:solidFill>
+              </a:rPr>
+              <a:t> to keep and available per request</a:t>
+            </a:r>
+            <a:r>
+              <a:rPr lang="en-US" dirty="0"/>
+              <a:t>:</a:t>
             </a:r>
           </a:p>
           <a:p>
@@ -7469,7 +7477,7 @@
         <p:spPr>
           <a:xfrm>
             <a:off x="340241" y="1421956"/>
-            <a:ext cx="10810726" cy="5355312"/>
+            <a:ext cx="10810726" cy="5078313"/>
           </a:xfrm>
           <a:prstGeom prst="rect">
             <a:avLst/>
@@ -7500,19 +7508,13 @@
             </a:r>
             <a:r>
               <a:rPr lang="en-US" b="1" dirty="0"/>
-              <a:t>Processed results for figure construction.xls</a:t>
+              <a:t>Processed data_Fig2ef .xls</a:t>
             </a:r>
           </a:p>
           <a:p>
             <a:r>
               <a:rPr lang="en-GB" dirty="0"/>
-              <a:t>spreadsheet.</a:t>
-            </a:r>
-          </a:p>
-          <a:p>
-            <a:r>
-              <a:rPr lang="en-GB" dirty="0"/>
-              <a:t>Processed data for calculation can be found in processed data folder.</a:t>
+              <a:t>spreadsheet. Processed data for calculation can be found in processed data folder.</a:t>
             </a:r>
           </a:p>
           <a:p>
